--- a/ppt 16-9/0641.如果世上没有你.pptx
+++ b/ppt 16-9/0641.如果世上没有你.pptx
@@ -129,7 +129,7 @@
           <p:cNvPr id="2" name="标题 1">
             <a:extLst>
               <a:ext uri="{FF2B5EF4-FFF2-40B4-BE49-F238E27FC236}">
-                <a16:creationId xmlns:a16="http://schemas.microsoft.com/office/drawing/2014/main" id="{B35CBEC9-4553-043B-6FFF-64519BC0D1BA}"/>
+                <a16:creationId xmlns:a16="http://schemas.microsoft.com/office/drawing/2014/main" id="{3D86C46B-8F54-C42B-BCEA-28214D335ABC}"/>
               </a:ext>
             </a:extLst>
           </p:cNvPr>
@@ -166,7 +166,7 @@
           <p:cNvPr id="3" name="副标题 2">
             <a:extLst>
               <a:ext uri="{FF2B5EF4-FFF2-40B4-BE49-F238E27FC236}">
-                <a16:creationId xmlns:a16="http://schemas.microsoft.com/office/drawing/2014/main" id="{FBA167F6-FE5B-A1AC-DBA0-7C216611D88D}"/>
+                <a16:creationId xmlns:a16="http://schemas.microsoft.com/office/drawing/2014/main" id="{770CFFE1-BA7F-008E-9181-C7E601BD67B8}"/>
               </a:ext>
             </a:extLst>
           </p:cNvPr>
@@ -236,7 +236,7 @@
           <p:cNvPr id="4" name="日期占位符 3">
             <a:extLst>
               <a:ext uri="{FF2B5EF4-FFF2-40B4-BE49-F238E27FC236}">
-                <a16:creationId xmlns:a16="http://schemas.microsoft.com/office/drawing/2014/main" id="{105F9F4E-BEE9-51F5-388C-566512C0F4BD}"/>
+                <a16:creationId xmlns:a16="http://schemas.microsoft.com/office/drawing/2014/main" id="{287F7493-375A-9DB9-8AAA-465324395DD2}"/>
               </a:ext>
             </a:extLst>
           </p:cNvPr>
@@ -252,7 +252,7 @@
           <a:bodyPr/>
           <a:lstStyle/>
           <a:p>
-            <a:fld id="{D34D59E9-29EC-4E82-AE6D-C9643FA9032D}" type="datetimeFigureOut">
+            <a:fld id="{61455CD6-596C-4661-9685-1FBEE11843B1}" type="datetimeFigureOut">
               <a:rPr lang="zh-CN" altLang="en-US" smtClean="0"/>
               <a:t>2024/3/10</a:t>
             </a:fld>
@@ -265,7 +265,7 @@
           <p:cNvPr id="5" name="页脚占位符 4">
             <a:extLst>
               <a:ext uri="{FF2B5EF4-FFF2-40B4-BE49-F238E27FC236}">
-                <a16:creationId xmlns:a16="http://schemas.microsoft.com/office/drawing/2014/main" id="{72FD3882-4DFF-C145-06AB-042ACA329DF5}"/>
+                <a16:creationId xmlns:a16="http://schemas.microsoft.com/office/drawing/2014/main" id="{82FE203D-2A23-A22B-A9DA-BF1E5D6A3CE0}"/>
               </a:ext>
             </a:extLst>
           </p:cNvPr>
@@ -290,7 +290,7 @@
           <p:cNvPr id="6" name="灯片编号占位符 5">
             <a:extLst>
               <a:ext uri="{FF2B5EF4-FFF2-40B4-BE49-F238E27FC236}">
-                <a16:creationId xmlns:a16="http://schemas.microsoft.com/office/drawing/2014/main" id="{0FCC269B-A413-3F49-23EB-75B3726F7AC5}"/>
+                <a16:creationId xmlns:a16="http://schemas.microsoft.com/office/drawing/2014/main" id="{B468FA4D-1F09-E1B8-EDDF-02C525C85721}"/>
               </a:ext>
             </a:extLst>
           </p:cNvPr>
@@ -306,7 +306,7 @@
           <a:bodyPr/>
           <a:lstStyle/>
           <a:p>
-            <a:fld id="{29267CEB-B817-49B6-A0F5-3C1C17CAC00D}" type="slidenum">
+            <a:fld id="{75C8DE23-1B97-4E44-8B77-E5E7DD9861BA}" type="slidenum">
               <a:rPr lang="zh-CN" altLang="en-US" smtClean="0"/>
               <a:t>‹#›</a:t>
             </a:fld>
@@ -317,7 +317,7 @@
     </p:spTree>
     <p:extLst>
       <p:ext uri="{BB962C8B-B14F-4D97-AF65-F5344CB8AC3E}">
-        <p14:creationId xmlns:p14="http://schemas.microsoft.com/office/powerpoint/2010/main" val="3075266373"/>
+        <p14:creationId xmlns:p14="http://schemas.microsoft.com/office/powerpoint/2010/main" val="3870880998"/>
       </p:ext>
     </p:extLst>
   </p:cSld>
@@ -349,7 +349,7 @@
           <p:cNvPr id="2" name="标题 1">
             <a:extLst>
               <a:ext uri="{FF2B5EF4-FFF2-40B4-BE49-F238E27FC236}">
-                <a16:creationId xmlns:a16="http://schemas.microsoft.com/office/drawing/2014/main" id="{545834CD-6458-C71A-2820-CA99C2EE5FBC}"/>
+                <a16:creationId xmlns:a16="http://schemas.microsoft.com/office/drawing/2014/main" id="{D523718F-20B1-9C39-CC29-E8FDD7BC968B}"/>
               </a:ext>
             </a:extLst>
           </p:cNvPr>
@@ -377,7 +377,7 @@
           <p:cNvPr id="3" name="竖排文字占位符 2">
             <a:extLst>
               <a:ext uri="{FF2B5EF4-FFF2-40B4-BE49-F238E27FC236}">
-                <a16:creationId xmlns:a16="http://schemas.microsoft.com/office/drawing/2014/main" id="{A2DFE247-09EB-1138-8F5A-85CEDE51C234}"/>
+                <a16:creationId xmlns:a16="http://schemas.microsoft.com/office/drawing/2014/main" id="{129CAA61-2264-B1A4-EAE9-E99076D261D0}"/>
               </a:ext>
             </a:extLst>
           </p:cNvPr>
@@ -434,7 +434,7 @@
           <p:cNvPr id="4" name="日期占位符 3">
             <a:extLst>
               <a:ext uri="{FF2B5EF4-FFF2-40B4-BE49-F238E27FC236}">
-                <a16:creationId xmlns:a16="http://schemas.microsoft.com/office/drawing/2014/main" id="{DB73ADB8-F7E8-31E4-EB18-0C0F05E22939}"/>
+                <a16:creationId xmlns:a16="http://schemas.microsoft.com/office/drawing/2014/main" id="{78D70425-30AF-E24D-896E-D415738E26A5}"/>
               </a:ext>
             </a:extLst>
           </p:cNvPr>
@@ -450,7 +450,7 @@
           <a:bodyPr/>
           <a:lstStyle/>
           <a:p>
-            <a:fld id="{D34D59E9-29EC-4E82-AE6D-C9643FA9032D}" type="datetimeFigureOut">
+            <a:fld id="{61455CD6-596C-4661-9685-1FBEE11843B1}" type="datetimeFigureOut">
               <a:rPr lang="zh-CN" altLang="en-US" smtClean="0"/>
               <a:t>2024/3/10</a:t>
             </a:fld>
@@ -463,7 +463,7 @@
           <p:cNvPr id="5" name="页脚占位符 4">
             <a:extLst>
               <a:ext uri="{FF2B5EF4-FFF2-40B4-BE49-F238E27FC236}">
-                <a16:creationId xmlns:a16="http://schemas.microsoft.com/office/drawing/2014/main" id="{22C36099-CFA2-79CC-4FB9-76FC60CE6F93}"/>
+                <a16:creationId xmlns:a16="http://schemas.microsoft.com/office/drawing/2014/main" id="{FF1ABE36-7728-AF26-43D8-7C6B9D83FD09}"/>
               </a:ext>
             </a:extLst>
           </p:cNvPr>
@@ -488,7 +488,7 @@
           <p:cNvPr id="6" name="灯片编号占位符 5">
             <a:extLst>
               <a:ext uri="{FF2B5EF4-FFF2-40B4-BE49-F238E27FC236}">
-                <a16:creationId xmlns:a16="http://schemas.microsoft.com/office/drawing/2014/main" id="{33346B02-28AA-6ACC-E281-F609CF096800}"/>
+                <a16:creationId xmlns:a16="http://schemas.microsoft.com/office/drawing/2014/main" id="{4E1B29BA-2D94-0567-986F-CD921B1C573F}"/>
               </a:ext>
             </a:extLst>
           </p:cNvPr>
@@ -504,7 +504,7 @@
           <a:bodyPr/>
           <a:lstStyle/>
           <a:p>
-            <a:fld id="{29267CEB-B817-49B6-A0F5-3C1C17CAC00D}" type="slidenum">
+            <a:fld id="{75C8DE23-1B97-4E44-8B77-E5E7DD9861BA}" type="slidenum">
               <a:rPr lang="zh-CN" altLang="en-US" smtClean="0"/>
               <a:t>‹#›</a:t>
             </a:fld>
@@ -515,7 +515,7 @@
     </p:spTree>
     <p:extLst>
       <p:ext uri="{BB962C8B-B14F-4D97-AF65-F5344CB8AC3E}">
-        <p14:creationId xmlns:p14="http://schemas.microsoft.com/office/powerpoint/2010/main" val="4244946325"/>
+        <p14:creationId xmlns:p14="http://schemas.microsoft.com/office/powerpoint/2010/main" val="3507537689"/>
       </p:ext>
     </p:extLst>
   </p:cSld>
@@ -547,7 +547,7 @@
           <p:cNvPr id="2" name="竖排标题 1">
             <a:extLst>
               <a:ext uri="{FF2B5EF4-FFF2-40B4-BE49-F238E27FC236}">
-                <a16:creationId xmlns:a16="http://schemas.microsoft.com/office/drawing/2014/main" id="{67C5E0F1-F0F8-12BA-739E-D0C3A5DDADF6}"/>
+                <a16:creationId xmlns:a16="http://schemas.microsoft.com/office/drawing/2014/main" id="{2FC47798-5D66-1974-2844-ED8F8BBF8A67}"/>
               </a:ext>
             </a:extLst>
           </p:cNvPr>
@@ -580,7 +580,7 @@
           <p:cNvPr id="3" name="竖排文字占位符 2">
             <a:extLst>
               <a:ext uri="{FF2B5EF4-FFF2-40B4-BE49-F238E27FC236}">
-                <a16:creationId xmlns:a16="http://schemas.microsoft.com/office/drawing/2014/main" id="{0AA396A7-087B-E3C2-855C-74C9BDA0689C}"/>
+                <a16:creationId xmlns:a16="http://schemas.microsoft.com/office/drawing/2014/main" id="{0930230B-FAE3-7993-BDBB-B34A9B5C079A}"/>
               </a:ext>
             </a:extLst>
           </p:cNvPr>
@@ -642,7 +642,7 @@
           <p:cNvPr id="4" name="日期占位符 3">
             <a:extLst>
               <a:ext uri="{FF2B5EF4-FFF2-40B4-BE49-F238E27FC236}">
-                <a16:creationId xmlns:a16="http://schemas.microsoft.com/office/drawing/2014/main" id="{23B9EE61-6FD5-7681-B151-3436F54527E3}"/>
+                <a16:creationId xmlns:a16="http://schemas.microsoft.com/office/drawing/2014/main" id="{E492C044-A336-D73A-415D-4CB53AA3841A}"/>
               </a:ext>
             </a:extLst>
           </p:cNvPr>
@@ -658,7 +658,7 @@
           <a:bodyPr/>
           <a:lstStyle/>
           <a:p>
-            <a:fld id="{D34D59E9-29EC-4E82-AE6D-C9643FA9032D}" type="datetimeFigureOut">
+            <a:fld id="{61455CD6-596C-4661-9685-1FBEE11843B1}" type="datetimeFigureOut">
               <a:rPr lang="zh-CN" altLang="en-US" smtClean="0"/>
               <a:t>2024/3/10</a:t>
             </a:fld>
@@ -671,7 +671,7 @@
           <p:cNvPr id="5" name="页脚占位符 4">
             <a:extLst>
               <a:ext uri="{FF2B5EF4-FFF2-40B4-BE49-F238E27FC236}">
-                <a16:creationId xmlns:a16="http://schemas.microsoft.com/office/drawing/2014/main" id="{8AAF3AF7-548A-E297-24C4-65A561B80C1C}"/>
+                <a16:creationId xmlns:a16="http://schemas.microsoft.com/office/drawing/2014/main" id="{1BBF12CB-245B-148C-4F7C-2390238B83E6}"/>
               </a:ext>
             </a:extLst>
           </p:cNvPr>
@@ -696,7 +696,7 @@
           <p:cNvPr id="6" name="灯片编号占位符 5">
             <a:extLst>
               <a:ext uri="{FF2B5EF4-FFF2-40B4-BE49-F238E27FC236}">
-                <a16:creationId xmlns:a16="http://schemas.microsoft.com/office/drawing/2014/main" id="{CD531F93-80B4-3AA4-08D0-5A3134D677DE}"/>
+                <a16:creationId xmlns:a16="http://schemas.microsoft.com/office/drawing/2014/main" id="{F6D6BFC7-32CA-8A51-D3EC-E873754E731C}"/>
               </a:ext>
             </a:extLst>
           </p:cNvPr>
@@ -712,7 +712,7 @@
           <a:bodyPr/>
           <a:lstStyle/>
           <a:p>
-            <a:fld id="{29267CEB-B817-49B6-A0F5-3C1C17CAC00D}" type="slidenum">
+            <a:fld id="{75C8DE23-1B97-4E44-8B77-E5E7DD9861BA}" type="slidenum">
               <a:rPr lang="zh-CN" altLang="en-US" smtClean="0"/>
               <a:t>‹#›</a:t>
             </a:fld>
@@ -723,7 +723,7 @@
     </p:spTree>
     <p:extLst>
       <p:ext uri="{BB962C8B-B14F-4D97-AF65-F5344CB8AC3E}">
-        <p14:creationId xmlns:p14="http://schemas.microsoft.com/office/powerpoint/2010/main" val="1048427363"/>
+        <p14:creationId xmlns:p14="http://schemas.microsoft.com/office/powerpoint/2010/main" val="2799906652"/>
       </p:ext>
     </p:extLst>
   </p:cSld>
@@ -755,7 +755,7 @@
           <p:cNvPr id="2" name="标题 1">
             <a:extLst>
               <a:ext uri="{FF2B5EF4-FFF2-40B4-BE49-F238E27FC236}">
-                <a16:creationId xmlns:a16="http://schemas.microsoft.com/office/drawing/2014/main" id="{7D8261F6-253C-6218-C4AA-82181701D3AC}"/>
+                <a16:creationId xmlns:a16="http://schemas.microsoft.com/office/drawing/2014/main" id="{9CC89BBB-EECD-E243-E489-360C4A23801B}"/>
               </a:ext>
             </a:extLst>
           </p:cNvPr>
@@ -783,7 +783,7 @@
           <p:cNvPr id="3" name="内容占位符 2">
             <a:extLst>
               <a:ext uri="{FF2B5EF4-FFF2-40B4-BE49-F238E27FC236}">
-                <a16:creationId xmlns:a16="http://schemas.microsoft.com/office/drawing/2014/main" id="{C138E08D-530C-4B63-4B0B-FE6370C88928}"/>
+                <a16:creationId xmlns:a16="http://schemas.microsoft.com/office/drawing/2014/main" id="{5FF2809D-B371-1BE6-22C3-9837A73D44B7}"/>
               </a:ext>
             </a:extLst>
           </p:cNvPr>
@@ -840,7 +840,7 @@
           <p:cNvPr id="4" name="日期占位符 3">
             <a:extLst>
               <a:ext uri="{FF2B5EF4-FFF2-40B4-BE49-F238E27FC236}">
-                <a16:creationId xmlns:a16="http://schemas.microsoft.com/office/drawing/2014/main" id="{C95F723D-1871-243B-C8A0-0574B8B3F450}"/>
+                <a16:creationId xmlns:a16="http://schemas.microsoft.com/office/drawing/2014/main" id="{A97B7397-CC9B-CEA6-3BAB-177142A95EC7}"/>
               </a:ext>
             </a:extLst>
           </p:cNvPr>
@@ -856,7 +856,7 @@
           <a:bodyPr/>
           <a:lstStyle/>
           <a:p>
-            <a:fld id="{D34D59E9-29EC-4E82-AE6D-C9643FA9032D}" type="datetimeFigureOut">
+            <a:fld id="{61455CD6-596C-4661-9685-1FBEE11843B1}" type="datetimeFigureOut">
               <a:rPr lang="zh-CN" altLang="en-US" smtClean="0"/>
               <a:t>2024/3/10</a:t>
             </a:fld>
@@ -869,7 +869,7 @@
           <p:cNvPr id="5" name="页脚占位符 4">
             <a:extLst>
               <a:ext uri="{FF2B5EF4-FFF2-40B4-BE49-F238E27FC236}">
-                <a16:creationId xmlns:a16="http://schemas.microsoft.com/office/drawing/2014/main" id="{66046C2D-BC7A-10EC-9F59-85926669672D}"/>
+                <a16:creationId xmlns:a16="http://schemas.microsoft.com/office/drawing/2014/main" id="{AE3B0315-BEA2-0049-2957-CE09E701500D}"/>
               </a:ext>
             </a:extLst>
           </p:cNvPr>
@@ -894,7 +894,7 @@
           <p:cNvPr id="6" name="灯片编号占位符 5">
             <a:extLst>
               <a:ext uri="{FF2B5EF4-FFF2-40B4-BE49-F238E27FC236}">
-                <a16:creationId xmlns:a16="http://schemas.microsoft.com/office/drawing/2014/main" id="{22047AF3-1F69-1BCF-7A1B-53D7FD908D52}"/>
+                <a16:creationId xmlns:a16="http://schemas.microsoft.com/office/drawing/2014/main" id="{D00CF35E-801D-EF4D-C4A3-3F96FC30FE04}"/>
               </a:ext>
             </a:extLst>
           </p:cNvPr>
@@ -910,7 +910,7 @@
           <a:bodyPr/>
           <a:lstStyle/>
           <a:p>
-            <a:fld id="{29267CEB-B817-49B6-A0F5-3C1C17CAC00D}" type="slidenum">
+            <a:fld id="{75C8DE23-1B97-4E44-8B77-E5E7DD9861BA}" type="slidenum">
               <a:rPr lang="zh-CN" altLang="en-US" smtClean="0"/>
               <a:t>‹#›</a:t>
             </a:fld>
@@ -921,7 +921,7 @@
     </p:spTree>
     <p:extLst>
       <p:ext uri="{BB962C8B-B14F-4D97-AF65-F5344CB8AC3E}">
-        <p14:creationId xmlns:p14="http://schemas.microsoft.com/office/powerpoint/2010/main" val="805705203"/>
+        <p14:creationId xmlns:p14="http://schemas.microsoft.com/office/powerpoint/2010/main" val="3067134940"/>
       </p:ext>
     </p:extLst>
   </p:cSld>
@@ -953,7 +953,7 @@
           <p:cNvPr id="2" name="标题 1">
             <a:extLst>
               <a:ext uri="{FF2B5EF4-FFF2-40B4-BE49-F238E27FC236}">
-                <a16:creationId xmlns:a16="http://schemas.microsoft.com/office/drawing/2014/main" id="{24477E6F-89D0-E1BC-9886-8A8EE89E4077}"/>
+                <a16:creationId xmlns:a16="http://schemas.microsoft.com/office/drawing/2014/main" id="{7612D70E-04A5-674A-AC84-FAEB4B44BF76}"/>
               </a:ext>
             </a:extLst>
           </p:cNvPr>
@@ -990,7 +990,7 @@
           <p:cNvPr id="3" name="文本占位符 2">
             <a:extLst>
               <a:ext uri="{FF2B5EF4-FFF2-40B4-BE49-F238E27FC236}">
-                <a16:creationId xmlns:a16="http://schemas.microsoft.com/office/drawing/2014/main" id="{4567338A-C684-8EBA-ABD0-41519EFEB1FA}"/>
+                <a16:creationId xmlns:a16="http://schemas.microsoft.com/office/drawing/2014/main" id="{8A61C36D-9C5A-7006-4824-DDB4D72DFBFB}"/>
               </a:ext>
             </a:extLst>
           </p:cNvPr>
@@ -1115,7 +1115,7 @@
           <p:cNvPr id="4" name="日期占位符 3">
             <a:extLst>
               <a:ext uri="{FF2B5EF4-FFF2-40B4-BE49-F238E27FC236}">
-                <a16:creationId xmlns:a16="http://schemas.microsoft.com/office/drawing/2014/main" id="{73B3ADF4-A7EE-45E4-645F-8FAFD0A2FF0B}"/>
+                <a16:creationId xmlns:a16="http://schemas.microsoft.com/office/drawing/2014/main" id="{BCF3D553-68A5-CE25-864B-0A5477774702}"/>
               </a:ext>
             </a:extLst>
           </p:cNvPr>
@@ -1131,7 +1131,7 @@
           <a:bodyPr/>
           <a:lstStyle/>
           <a:p>
-            <a:fld id="{D34D59E9-29EC-4E82-AE6D-C9643FA9032D}" type="datetimeFigureOut">
+            <a:fld id="{61455CD6-596C-4661-9685-1FBEE11843B1}" type="datetimeFigureOut">
               <a:rPr lang="zh-CN" altLang="en-US" smtClean="0"/>
               <a:t>2024/3/10</a:t>
             </a:fld>
@@ -1144,7 +1144,7 @@
           <p:cNvPr id="5" name="页脚占位符 4">
             <a:extLst>
               <a:ext uri="{FF2B5EF4-FFF2-40B4-BE49-F238E27FC236}">
-                <a16:creationId xmlns:a16="http://schemas.microsoft.com/office/drawing/2014/main" id="{61D161FD-3578-A9C1-C97C-E8918DCCE526}"/>
+                <a16:creationId xmlns:a16="http://schemas.microsoft.com/office/drawing/2014/main" id="{3EA73F94-8EE9-0145-60F6-380F1A3DA007}"/>
               </a:ext>
             </a:extLst>
           </p:cNvPr>
@@ -1169,7 +1169,7 @@
           <p:cNvPr id="6" name="灯片编号占位符 5">
             <a:extLst>
               <a:ext uri="{FF2B5EF4-FFF2-40B4-BE49-F238E27FC236}">
-                <a16:creationId xmlns:a16="http://schemas.microsoft.com/office/drawing/2014/main" id="{A8CECF31-70D4-3497-30AE-10B72A44DFC9}"/>
+                <a16:creationId xmlns:a16="http://schemas.microsoft.com/office/drawing/2014/main" id="{694A2818-1B93-F42A-446C-C0BBC3C92756}"/>
               </a:ext>
             </a:extLst>
           </p:cNvPr>
@@ -1185,7 +1185,7 @@
           <a:bodyPr/>
           <a:lstStyle/>
           <a:p>
-            <a:fld id="{29267CEB-B817-49B6-A0F5-3C1C17CAC00D}" type="slidenum">
+            <a:fld id="{75C8DE23-1B97-4E44-8B77-E5E7DD9861BA}" type="slidenum">
               <a:rPr lang="zh-CN" altLang="en-US" smtClean="0"/>
               <a:t>‹#›</a:t>
             </a:fld>
@@ -1196,7 +1196,7 @@
     </p:spTree>
     <p:extLst>
       <p:ext uri="{BB962C8B-B14F-4D97-AF65-F5344CB8AC3E}">
-        <p14:creationId xmlns:p14="http://schemas.microsoft.com/office/powerpoint/2010/main" val="1143784092"/>
+        <p14:creationId xmlns:p14="http://schemas.microsoft.com/office/powerpoint/2010/main" val="596640540"/>
       </p:ext>
     </p:extLst>
   </p:cSld>
@@ -1228,7 +1228,7 @@
           <p:cNvPr id="2" name="标题 1">
             <a:extLst>
               <a:ext uri="{FF2B5EF4-FFF2-40B4-BE49-F238E27FC236}">
-                <a16:creationId xmlns:a16="http://schemas.microsoft.com/office/drawing/2014/main" id="{E7CAC061-BC20-2D1D-4DA8-8CCE9EFB9DE1}"/>
+                <a16:creationId xmlns:a16="http://schemas.microsoft.com/office/drawing/2014/main" id="{1760B443-45E8-2669-057F-013DDDA06E7B}"/>
               </a:ext>
             </a:extLst>
           </p:cNvPr>
@@ -1256,7 +1256,7 @@
           <p:cNvPr id="3" name="内容占位符 2">
             <a:extLst>
               <a:ext uri="{FF2B5EF4-FFF2-40B4-BE49-F238E27FC236}">
-                <a16:creationId xmlns:a16="http://schemas.microsoft.com/office/drawing/2014/main" id="{EA94EF6D-FFD5-634D-937B-F9FE60F0538E}"/>
+                <a16:creationId xmlns:a16="http://schemas.microsoft.com/office/drawing/2014/main" id="{B382B2ED-1303-1755-53B6-463AD5B1BF20}"/>
               </a:ext>
             </a:extLst>
           </p:cNvPr>
@@ -1318,7 +1318,7 @@
           <p:cNvPr id="4" name="内容占位符 3">
             <a:extLst>
               <a:ext uri="{FF2B5EF4-FFF2-40B4-BE49-F238E27FC236}">
-                <a16:creationId xmlns:a16="http://schemas.microsoft.com/office/drawing/2014/main" id="{5EF3C754-3F0F-C9ED-C4C1-C455F6D759CA}"/>
+                <a16:creationId xmlns:a16="http://schemas.microsoft.com/office/drawing/2014/main" id="{66905826-E384-B2C6-C93F-8C6DEE74668A}"/>
               </a:ext>
             </a:extLst>
           </p:cNvPr>
@@ -1380,7 +1380,7 @@
           <p:cNvPr id="5" name="日期占位符 4">
             <a:extLst>
               <a:ext uri="{FF2B5EF4-FFF2-40B4-BE49-F238E27FC236}">
-                <a16:creationId xmlns:a16="http://schemas.microsoft.com/office/drawing/2014/main" id="{C5D92868-876C-3350-AB4A-DCB819A215BB}"/>
+                <a16:creationId xmlns:a16="http://schemas.microsoft.com/office/drawing/2014/main" id="{E117ED49-12D0-F65E-E03C-8279CC0DE31D}"/>
               </a:ext>
             </a:extLst>
           </p:cNvPr>
@@ -1396,7 +1396,7 @@
           <a:bodyPr/>
           <a:lstStyle/>
           <a:p>
-            <a:fld id="{D34D59E9-29EC-4E82-AE6D-C9643FA9032D}" type="datetimeFigureOut">
+            <a:fld id="{61455CD6-596C-4661-9685-1FBEE11843B1}" type="datetimeFigureOut">
               <a:rPr lang="zh-CN" altLang="en-US" smtClean="0"/>
               <a:t>2024/3/10</a:t>
             </a:fld>
@@ -1409,7 +1409,7 @@
           <p:cNvPr id="6" name="页脚占位符 5">
             <a:extLst>
               <a:ext uri="{FF2B5EF4-FFF2-40B4-BE49-F238E27FC236}">
-                <a16:creationId xmlns:a16="http://schemas.microsoft.com/office/drawing/2014/main" id="{3BF685CD-12E2-D45C-9E3A-DEEF92830295}"/>
+                <a16:creationId xmlns:a16="http://schemas.microsoft.com/office/drawing/2014/main" id="{295EA1DA-E2C2-C00A-2A5C-22EB1FEC4D36}"/>
               </a:ext>
             </a:extLst>
           </p:cNvPr>
@@ -1434,7 +1434,7 @@
           <p:cNvPr id="7" name="灯片编号占位符 6">
             <a:extLst>
               <a:ext uri="{FF2B5EF4-FFF2-40B4-BE49-F238E27FC236}">
-                <a16:creationId xmlns:a16="http://schemas.microsoft.com/office/drawing/2014/main" id="{925E3B50-B2F5-B698-072A-E0D71C55D417}"/>
+                <a16:creationId xmlns:a16="http://schemas.microsoft.com/office/drawing/2014/main" id="{991B0C83-423D-3E28-A636-33C6095CD811}"/>
               </a:ext>
             </a:extLst>
           </p:cNvPr>
@@ -1450,7 +1450,7 @@
           <a:bodyPr/>
           <a:lstStyle/>
           <a:p>
-            <a:fld id="{29267CEB-B817-49B6-A0F5-3C1C17CAC00D}" type="slidenum">
+            <a:fld id="{75C8DE23-1B97-4E44-8B77-E5E7DD9861BA}" type="slidenum">
               <a:rPr lang="zh-CN" altLang="en-US" smtClean="0"/>
               <a:t>‹#›</a:t>
             </a:fld>
@@ -1461,7 +1461,7 @@
     </p:spTree>
     <p:extLst>
       <p:ext uri="{BB962C8B-B14F-4D97-AF65-F5344CB8AC3E}">
-        <p14:creationId xmlns:p14="http://schemas.microsoft.com/office/powerpoint/2010/main" val="847548918"/>
+        <p14:creationId xmlns:p14="http://schemas.microsoft.com/office/powerpoint/2010/main" val="2413127669"/>
       </p:ext>
     </p:extLst>
   </p:cSld>
@@ -1493,7 +1493,7 @@
           <p:cNvPr id="2" name="标题 1">
             <a:extLst>
               <a:ext uri="{FF2B5EF4-FFF2-40B4-BE49-F238E27FC236}">
-                <a16:creationId xmlns:a16="http://schemas.microsoft.com/office/drawing/2014/main" id="{B6DE8972-11E6-AE92-77F0-DD76335CAF29}"/>
+                <a16:creationId xmlns:a16="http://schemas.microsoft.com/office/drawing/2014/main" id="{40F30B06-F360-689C-E96E-FC3D7D615391}"/>
               </a:ext>
             </a:extLst>
           </p:cNvPr>
@@ -1526,7 +1526,7 @@
           <p:cNvPr id="3" name="文本占位符 2">
             <a:extLst>
               <a:ext uri="{FF2B5EF4-FFF2-40B4-BE49-F238E27FC236}">
-                <a16:creationId xmlns:a16="http://schemas.microsoft.com/office/drawing/2014/main" id="{3AAD00AA-BC1B-DC92-2540-23425AADC447}"/>
+                <a16:creationId xmlns:a16="http://schemas.microsoft.com/office/drawing/2014/main" id="{13F19665-0B2E-59AE-E805-02ED1A08D880}"/>
               </a:ext>
             </a:extLst>
           </p:cNvPr>
@@ -1597,7 +1597,7 @@
           <p:cNvPr id="4" name="内容占位符 3">
             <a:extLst>
               <a:ext uri="{FF2B5EF4-FFF2-40B4-BE49-F238E27FC236}">
-                <a16:creationId xmlns:a16="http://schemas.microsoft.com/office/drawing/2014/main" id="{1268F9F3-949D-5707-D037-05070AC482F0}"/>
+                <a16:creationId xmlns:a16="http://schemas.microsoft.com/office/drawing/2014/main" id="{D54D3CF2-8C17-EBD9-F870-1E3CC98BF055}"/>
               </a:ext>
             </a:extLst>
           </p:cNvPr>
@@ -1659,7 +1659,7 @@
           <p:cNvPr id="5" name="文本占位符 4">
             <a:extLst>
               <a:ext uri="{FF2B5EF4-FFF2-40B4-BE49-F238E27FC236}">
-                <a16:creationId xmlns:a16="http://schemas.microsoft.com/office/drawing/2014/main" id="{E03CB04C-D387-083F-C205-0972DBCF156D}"/>
+                <a16:creationId xmlns:a16="http://schemas.microsoft.com/office/drawing/2014/main" id="{0B091007-402C-7FE4-AF2E-A2D9A1529B78}"/>
               </a:ext>
             </a:extLst>
           </p:cNvPr>
@@ -1730,7 +1730,7 @@
           <p:cNvPr id="6" name="内容占位符 5">
             <a:extLst>
               <a:ext uri="{FF2B5EF4-FFF2-40B4-BE49-F238E27FC236}">
-                <a16:creationId xmlns:a16="http://schemas.microsoft.com/office/drawing/2014/main" id="{F3B0E206-731F-EE5B-2C52-42D7CFCE7FC8}"/>
+                <a16:creationId xmlns:a16="http://schemas.microsoft.com/office/drawing/2014/main" id="{2C0DFBD4-53EF-0919-AFEE-C69130F93C3F}"/>
               </a:ext>
             </a:extLst>
           </p:cNvPr>
@@ -1792,7 +1792,7 @@
           <p:cNvPr id="7" name="日期占位符 6">
             <a:extLst>
               <a:ext uri="{FF2B5EF4-FFF2-40B4-BE49-F238E27FC236}">
-                <a16:creationId xmlns:a16="http://schemas.microsoft.com/office/drawing/2014/main" id="{8DECC8E2-CA00-FFBE-0FF1-BE54945E94CE}"/>
+                <a16:creationId xmlns:a16="http://schemas.microsoft.com/office/drawing/2014/main" id="{73AA5E90-6D1E-FE29-23FB-36FD4277B39E}"/>
               </a:ext>
             </a:extLst>
           </p:cNvPr>
@@ -1808,7 +1808,7 @@
           <a:bodyPr/>
           <a:lstStyle/>
           <a:p>
-            <a:fld id="{D34D59E9-29EC-4E82-AE6D-C9643FA9032D}" type="datetimeFigureOut">
+            <a:fld id="{61455CD6-596C-4661-9685-1FBEE11843B1}" type="datetimeFigureOut">
               <a:rPr lang="zh-CN" altLang="en-US" smtClean="0"/>
               <a:t>2024/3/10</a:t>
             </a:fld>
@@ -1821,7 +1821,7 @@
           <p:cNvPr id="8" name="页脚占位符 7">
             <a:extLst>
               <a:ext uri="{FF2B5EF4-FFF2-40B4-BE49-F238E27FC236}">
-                <a16:creationId xmlns:a16="http://schemas.microsoft.com/office/drawing/2014/main" id="{FE25ED6D-068A-7305-4D3A-EF421E982775}"/>
+                <a16:creationId xmlns:a16="http://schemas.microsoft.com/office/drawing/2014/main" id="{161896A2-FD01-30B4-24CF-695CA064F955}"/>
               </a:ext>
             </a:extLst>
           </p:cNvPr>
@@ -1846,7 +1846,7 @@
           <p:cNvPr id="9" name="灯片编号占位符 8">
             <a:extLst>
               <a:ext uri="{FF2B5EF4-FFF2-40B4-BE49-F238E27FC236}">
-                <a16:creationId xmlns:a16="http://schemas.microsoft.com/office/drawing/2014/main" id="{E5BEE462-5A1A-742C-90D6-08D8C7325343}"/>
+                <a16:creationId xmlns:a16="http://schemas.microsoft.com/office/drawing/2014/main" id="{CC122921-FE52-088F-7B7A-1E584C0C9C1A}"/>
               </a:ext>
             </a:extLst>
           </p:cNvPr>
@@ -1862,7 +1862,7 @@
           <a:bodyPr/>
           <a:lstStyle/>
           <a:p>
-            <a:fld id="{29267CEB-B817-49B6-A0F5-3C1C17CAC00D}" type="slidenum">
+            <a:fld id="{75C8DE23-1B97-4E44-8B77-E5E7DD9861BA}" type="slidenum">
               <a:rPr lang="zh-CN" altLang="en-US" smtClean="0"/>
               <a:t>‹#›</a:t>
             </a:fld>
@@ -1873,7 +1873,7 @@
     </p:spTree>
     <p:extLst>
       <p:ext uri="{BB962C8B-B14F-4D97-AF65-F5344CB8AC3E}">
-        <p14:creationId xmlns:p14="http://schemas.microsoft.com/office/powerpoint/2010/main" val="716913274"/>
+        <p14:creationId xmlns:p14="http://schemas.microsoft.com/office/powerpoint/2010/main" val="2271223018"/>
       </p:ext>
     </p:extLst>
   </p:cSld>
@@ -1905,7 +1905,7 @@
           <p:cNvPr id="2" name="标题 1">
             <a:extLst>
               <a:ext uri="{FF2B5EF4-FFF2-40B4-BE49-F238E27FC236}">
-                <a16:creationId xmlns:a16="http://schemas.microsoft.com/office/drawing/2014/main" id="{D5313051-BA33-4599-08F3-5DD46D307BB6}"/>
+                <a16:creationId xmlns:a16="http://schemas.microsoft.com/office/drawing/2014/main" id="{AB5C1851-F7C0-8F98-3BDB-1601DF69A143}"/>
               </a:ext>
             </a:extLst>
           </p:cNvPr>
@@ -1933,7 +1933,7 @@
           <p:cNvPr id="3" name="日期占位符 2">
             <a:extLst>
               <a:ext uri="{FF2B5EF4-FFF2-40B4-BE49-F238E27FC236}">
-                <a16:creationId xmlns:a16="http://schemas.microsoft.com/office/drawing/2014/main" id="{B69BA1CF-21AB-C7DA-DF2D-E4FEE7F8CE1A}"/>
+                <a16:creationId xmlns:a16="http://schemas.microsoft.com/office/drawing/2014/main" id="{AE85B66A-64EC-ECB1-C4F8-EDA6A31AB40D}"/>
               </a:ext>
             </a:extLst>
           </p:cNvPr>
@@ -1949,7 +1949,7 @@
           <a:bodyPr/>
           <a:lstStyle/>
           <a:p>
-            <a:fld id="{D34D59E9-29EC-4E82-AE6D-C9643FA9032D}" type="datetimeFigureOut">
+            <a:fld id="{61455CD6-596C-4661-9685-1FBEE11843B1}" type="datetimeFigureOut">
               <a:rPr lang="zh-CN" altLang="en-US" smtClean="0"/>
               <a:t>2024/3/10</a:t>
             </a:fld>
@@ -1962,7 +1962,7 @@
           <p:cNvPr id="4" name="页脚占位符 3">
             <a:extLst>
               <a:ext uri="{FF2B5EF4-FFF2-40B4-BE49-F238E27FC236}">
-                <a16:creationId xmlns:a16="http://schemas.microsoft.com/office/drawing/2014/main" id="{4C84B427-2F1F-11BE-4A00-8DD2F9E82CB3}"/>
+                <a16:creationId xmlns:a16="http://schemas.microsoft.com/office/drawing/2014/main" id="{8B426406-10F7-2AA2-337A-BA9BC2555D42}"/>
               </a:ext>
             </a:extLst>
           </p:cNvPr>
@@ -1987,7 +1987,7 @@
           <p:cNvPr id="5" name="灯片编号占位符 4">
             <a:extLst>
               <a:ext uri="{FF2B5EF4-FFF2-40B4-BE49-F238E27FC236}">
-                <a16:creationId xmlns:a16="http://schemas.microsoft.com/office/drawing/2014/main" id="{67C59F3E-9447-FAD3-5EC1-BD8B0AC46065}"/>
+                <a16:creationId xmlns:a16="http://schemas.microsoft.com/office/drawing/2014/main" id="{7858100E-A789-869D-928B-4E9A66BFA404}"/>
               </a:ext>
             </a:extLst>
           </p:cNvPr>
@@ -2003,7 +2003,7 @@
           <a:bodyPr/>
           <a:lstStyle/>
           <a:p>
-            <a:fld id="{29267CEB-B817-49B6-A0F5-3C1C17CAC00D}" type="slidenum">
+            <a:fld id="{75C8DE23-1B97-4E44-8B77-E5E7DD9861BA}" type="slidenum">
               <a:rPr lang="zh-CN" altLang="en-US" smtClean="0"/>
               <a:t>‹#›</a:t>
             </a:fld>
@@ -2014,7 +2014,7 @@
     </p:spTree>
     <p:extLst>
       <p:ext uri="{BB962C8B-B14F-4D97-AF65-F5344CB8AC3E}">
-        <p14:creationId xmlns:p14="http://schemas.microsoft.com/office/powerpoint/2010/main" val="2588097243"/>
+        <p14:creationId xmlns:p14="http://schemas.microsoft.com/office/powerpoint/2010/main" val="137010206"/>
       </p:ext>
     </p:extLst>
   </p:cSld>
@@ -2046,7 +2046,7 @@
           <p:cNvPr id="2" name="日期占位符 1">
             <a:extLst>
               <a:ext uri="{FF2B5EF4-FFF2-40B4-BE49-F238E27FC236}">
-                <a16:creationId xmlns:a16="http://schemas.microsoft.com/office/drawing/2014/main" id="{3943C1DB-5F12-9B06-B9E3-AAE714FF7CCE}"/>
+                <a16:creationId xmlns:a16="http://schemas.microsoft.com/office/drawing/2014/main" id="{4C2AEC1C-7669-493A-6B8D-D85FBA379A0E}"/>
               </a:ext>
             </a:extLst>
           </p:cNvPr>
@@ -2062,7 +2062,7 @@
           <a:bodyPr/>
           <a:lstStyle/>
           <a:p>
-            <a:fld id="{D34D59E9-29EC-4E82-AE6D-C9643FA9032D}" type="datetimeFigureOut">
+            <a:fld id="{61455CD6-596C-4661-9685-1FBEE11843B1}" type="datetimeFigureOut">
               <a:rPr lang="zh-CN" altLang="en-US" smtClean="0"/>
               <a:t>2024/3/10</a:t>
             </a:fld>
@@ -2075,7 +2075,7 @@
           <p:cNvPr id="3" name="页脚占位符 2">
             <a:extLst>
               <a:ext uri="{FF2B5EF4-FFF2-40B4-BE49-F238E27FC236}">
-                <a16:creationId xmlns:a16="http://schemas.microsoft.com/office/drawing/2014/main" id="{B89DB95A-110D-2BFB-0969-93591E80537E}"/>
+                <a16:creationId xmlns:a16="http://schemas.microsoft.com/office/drawing/2014/main" id="{2446945B-DD6D-BEAE-DCD4-CCC3736CC8DF}"/>
               </a:ext>
             </a:extLst>
           </p:cNvPr>
@@ -2100,7 +2100,7 @@
           <p:cNvPr id="4" name="灯片编号占位符 3">
             <a:extLst>
               <a:ext uri="{FF2B5EF4-FFF2-40B4-BE49-F238E27FC236}">
-                <a16:creationId xmlns:a16="http://schemas.microsoft.com/office/drawing/2014/main" id="{B8FE8152-C3A4-C9AC-162F-4B100D89202C}"/>
+                <a16:creationId xmlns:a16="http://schemas.microsoft.com/office/drawing/2014/main" id="{EE621054-1180-CD4B-350B-8EAF714E8C6C}"/>
               </a:ext>
             </a:extLst>
           </p:cNvPr>
@@ -2116,7 +2116,7 @@
           <a:bodyPr/>
           <a:lstStyle/>
           <a:p>
-            <a:fld id="{29267CEB-B817-49B6-A0F5-3C1C17CAC00D}" type="slidenum">
+            <a:fld id="{75C8DE23-1B97-4E44-8B77-E5E7DD9861BA}" type="slidenum">
               <a:rPr lang="zh-CN" altLang="en-US" smtClean="0"/>
               <a:t>‹#›</a:t>
             </a:fld>
@@ -2127,7 +2127,7 @@
     </p:spTree>
     <p:extLst>
       <p:ext uri="{BB962C8B-B14F-4D97-AF65-F5344CB8AC3E}">
-        <p14:creationId xmlns:p14="http://schemas.microsoft.com/office/powerpoint/2010/main" val="884712313"/>
+        <p14:creationId xmlns:p14="http://schemas.microsoft.com/office/powerpoint/2010/main" val="1068417505"/>
       </p:ext>
     </p:extLst>
   </p:cSld>
@@ -2159,7 +2159,7 @@
           <p:cNvPr id="2" name="标题 1">
             <a:extLst>
               <a:ext uri="{FF2B5EF4-FFF2-40B4-BE49-F238E27FC236}">
-                <a16:creationId xmlns:a16="http://schemas.microsoft.com/office/drawing/2014/main" id="{FB7F61BB-4850-B985-346F-3E4E96AD4F0D}"/>
+                <a16:creationId xmlns:a16="http://schemas.microsoft.com/office/drawing/2014/main" id="{5D2B48D7-28D3-B8BE-2A5F-B3261C50B732}"/>
               </a:ext>
             </a:extLst>
           </p:cNvPr>
@@ -2196,7 +2196,7 @@
           <p:cNvPr id="3" name="内容占位符 2">
             <a:extLst>
               <a:ext uri="{FF2B5EF4-FFF2-40B4-BE49-F238E27FC236}">
-                <a16:creationId xmlns:a16="http://schemas.microsoft.com/office/drawing/2014/main" id="{1BFAAE31-406B-EF2C-D90D-4730423F6110}"/>
+                <a16:creationId xmlns:a16="http://schemas.microsoft.com/office/drawing/2014/main" id="{93606A79-0826-8B0B-AC5D-0C4506B1FB70}"/>
               </a:ext>
             </a:extLst>
           </p:cNvPr>
@@ -2286,7 +2286,7 @@
           <p:cNvPr id="4" name="文本占位符 3">
             <a:extLst>
               <a:ext uri="{FF2B5EF4-FFF2-40B4-BE49-F238E27FC236}">
-                <a16:creationId xmlns:a16="http://schemas.microsoft.com/office/drawing/2014/main" id="{978AC5E0-3D91-F416-5693-0191AAC096DF}"/>
+                <a16:creationId xmlns:a16="http://schemas.microsoft.com/office/drawing/2014/main" id="{4A00D73C-FF85-85AB-83A6-DEEC8874E0EB}"/>
               </a:ext>
             </a:extLst>
           </p:cNvPr>
@@ -2357,7 +2357,7 @@
           <p:cNvPr id="5" name="日期占位符 4">
             <a:extLst>
               <a:ext uri="{FF2B5EF4-FFF2-40B4-BE49-F238E27FC236}">
-                <a16:creationId xmlns:a16="http://schemas.microsoft.com/office/drawing/2014/main" id="{F9FD1BC3-8116-51A3-E470-D61C910EF6A5}"/>
+                <a16:creationId xmlns:a16="http://schemas.microsoft.com/office/drawing/2014/main" id="{D9AE4460-4085-A155-6AFE-083397AA60C6}"/>
               </a:ext>
             </a:extLst>
           </p:cNvPr>
@@ -2373,7 +2373,7 @@
           <a:bodyPr/>
           <a:lstStyle/>
           <a:p>
-            <a:fld id="{D34D59E9-29EC-4E82-AE6D-C9643FA9032D}" type="datetimeFigureOut">
+            <a:fld id="{61455CD6-596C-4661-9685-1FBEE11843B1}" type="datetimeFigureOut">
               <a:rPr lang="zh-CN" altLang="en-US" smtClean="0"/>
               <a:t>2024/3/10</a:t>
             </a:fld>
@@ -2386,7 +2386,7 @@
           <p:cNvPr id="6" name="页脚占位符 5">
             <a:extLst>
               <a:ext uri="{FF2B5EF4-FFF2-40B4-BE49-F238E27FC236}">
-                <a16:creationId xmlns:a16="http://schemas.microsoft.com/office/drawing/2014/main" id="{AF935891-7765-CCD1-9C2C-CF543DD3FCDC}"/>
+                <a16:creationId xmlns:a16="http://schemas.microsoft.com/office/drawing/2014/main" id="{E8F997C5-66BE-5150-BA17-C78F8C5B71F7}"/>
               </a:ext>
             </a:extLst>
           </p:cNvPr>
@@ -2411,7 +2411,7 @@
           <p:cNvPr id="7" name="灯片编号占位符 6">
             <a:extLst>
               <a:ext uri="{FF2B5EF4-FFF2-40B4-BE49-F238E27FC236}">
-                <a16:creationId xmlns:a16="http://schemas.microsoft.com/office/drawing/2014/main" id="{21D4F67B-F662-88D2-451B-D8561624C782}"/>
+                <a16:creationId xmlns:a16="http://schemas.microsoft.com/office/drawing/2014/main" id="{0CAE4167-AB94-882D-95B1-09AA50B8C6FC}"/>
               </a:ext>
             </a:extLst>
           </p:cNvPr>
@@ -2427,7 +2427,7 @@
           <a:bodyPr/>
           <a:lstStyle/>
           <a:p>
-            <a:fld id="{29267CEB-B817-49B6-A0F5-3C1C17CAC00D}" type="slidenum">
+            <a:fld id="{75C8DE23-1B97-4E44-8B77-E5E7DD9861BA}" type="slidenum">
               <a:rPr lang="zh-CN" altLang="en-US" smtClean="0"/>
               <a:t>‹#›</a:t>
             </a:fld>
@@ -2438,7 +2438,7 @@
     </p:spTree>
     <p:extLst>
       <p:ext uri="{BB962C8B-B14F-4D97-AF65-F5344CB8AC3E}">
-        <p14:creationId xmlns:p14="http://schemas.microsoft.com/office/powerpoint/2010/main" val="1700139623"/>
+        <p14:creationId xmlns:p14="http://schemas.microsoft.com/office/powerpoint/2010/main" val="518967462"/>
       </p:ext>
     </p:extLst>
   </p:cSld>
@@ -2470,7 +2470,7 @@
           <p:cNvPr id="2" name="标题 1">
             <a:extLst>
               <a:ext uri="{FF2B5EF4-FFF2-40B4-BE49-F238E27FC236}">
-                <a16:creationId xmlns:a16="http://schemas.microsoft.com/office/drawing/2014/main" id="{950A6148-8D84-B355-AD51-39FE70CF19DF}"/>
+                <a16:creationId xmlns:a16="http://schemas.microsoft.com/office/drawing/2014/main" id="{97CCDA46-8C44-24D1-EF56-709F04D1D162}"/>
               </a:ext>
             </a:extLst>
           </p:cNvPr>
@@ -2507,7 +2507,7 @@
           <p:cNvPr id="3" name="图片占位符 2">
             <a:extLst>
               <a:ext uri="{FF2B5EF4-FFF2-40B4-BE49-F238E27FC236}">
-                <a16:creationId xmlns:a16="http://schemas.microsoft.com/office/drawing/2014/main" id="{80B33032-31E2-E504-47CA-F30871AEE6ED}"/>
+                <a16:creationId xmlns:a16="http://schemas.microsoft.com/office/drawing/2014/main" id="{307EC51D-37E0-700F-147D-60B656784750}"/>
               </a:ext>
             </a:extLst>
           </p:cNvPr>
@@ -2574,7 +2574,7 @@
           <p:cNvPr id="4" name="文本占位符 3">
             <a:extLst>
               <a:ext uri="{FF2B5EF4-FFF2-40B4-BE49-F238E27FC236}">
-                <a16:creationId xmlns:a16="http://schemas.microsoft.com/office/drawing/2014/main" id="{201CB9B4-A119-A712-5A8D-3F3583454183}"/>
+                <a16:creationId xmlns:a16="http://schemas.microsoft.com/office/drawing/2014/main" id="{201F840E-A453-065E-8147-D5ADBB986B1F}"/>
               </a:ext>
             </a:extLst>
           </p:cNvPr>
@@ -2645,7 +2645,7 @@
           <p:cNvPr id="5" name="日期占位符 4">
             <a:extLst>
               <a:ext uri="{FF2B5EF4-FFF2-40B4-BE49-F238E27FC236}">
-                <a16:creationId xmlns:a16="http://schemas.microsoft.com/office/drawing/2014/main" id="{93CA2091-F598-A67A-6FED-0D66F1B8BA5F}"/>
+                <a16:creationId xmlns:a16="http://schemas.microsoft.com/office/drawing/2014/main" id="{71B87179-6F56-9FAA-E4B0-64A9BA13CE4C}"/>
               </a:ext>
             </a:extLst>
           </p:cNvPr>
@@ -2661,7 +2661,7 @@
           <a:bodyPr/>
           <a:lstStyle/>
           <a:p>
-            <a:fld id="{D34D59E9-29EC-4E82-AE6D-C9643FA9032D}" type="datetimeFigureOut">
+            <a:fld id="{61455CD6-596C-4661-9685-1FBEE11843B1}" type="datetimeFigureOut">
               <a:rPr lang="zh-CN" altLang="en-US" smtClean="0"/>
               <a:t>2024/3/10</a:t>
             </a:fld>
@@ -2674,7 +2674,7 @@
           <p:cNvPr id="6" name="页脚占位符 5">
             <a:extLst>
               <a:ext uri="{FF2B5EF4-FFF2-40B4-BE49-F238E27FC236}">
-                <a16:creationId xmlns:a16="http://schemas.microsoft.com/office/drawing/2014/main" id="{04D48EAC-4051-17E8-90D0-84A47B0AE291}"/>
+                <a16:creationId xmlns:a16="http://schemas.microsoft.com/office/drawing/2014/main" id="{758774EF-0E35-7148-F331-9F93C75F3B11}"/>
               </a:ext>
             </a:extLst>
           </p:cNvPr>
@@ -2699,7 +2699,7 @@
           <p:cNvPr id="7" name="灯片编号占位符 6">
             <a:extLst>
               <a:ext uri="{FF2B5EF4-FFF2-40B4-BE49-F238E27FC236}">
-                <a16:creationId xmlns:a16="http://schemas.microsoft.com/office/drawing/2014/main" id="{E96EF47D-3F1B-D445-7A53-99CC3EE78870}"/>
+                <a16:creationId xmlns:a16="http://schemas.microsoft.com/office/drawing/2014/main" id="{E88942D7-4E35-4415-82C0-270F5777CC29}"/>
               </a:ext>
             </a:extLst>
           </p:cNvPr>
@@ -2715,7 +2715,7 @@
           <a:bodyPr/>
           <a:lstStyle/>
           <a:p>
-            <a:fld id="{29267CEB-B817-49B6-A0F5-3C1C17CAC00D}" type="slidenum">
+            <a:fld id="{75C8DE23-1B97-4E44-8B77-E5E7DD9861BA}" type="slidenum">
               <a:rPr lang="zh-CN" altLang="en-US" smtClean="0"/>
               <a:t>‹#›</a:t>
             </a:fld>
@@ -2726,7 +2726,7 @@
     </p:spTree>
     <p:extLst>
       <p:ext uri="{BB962C8B-B14F-4D97-AF65-F5344CB8AC3E}">
-        <p14:creationId xmlns:p14="http://schemas.microsoft.com/office/powerpoint/2010/main" val="1141746522"/>
+        <p14:creationId xmlns:p14="http://schemas.microsoft.com/office/powerpoint/2010/main" val="471553231"/>
       </p:ext>
     </p:extLst>
   </p:cSld>
@@ -2763,7 +2763,7 @@
           <p:cNvPr id="2" name="标题占位符 1">
             <a:extLst>
               <a:ext uri="{FF2B5EF4-FFF2-40B4-BE49-F238E27FC236}">
-                <a16:creationId xmlns:a16="http://schemas.microsoft.com/office/drawing/2014/main" id="{6CAE849B-3F44-0874-A558-AC3797229876}"/>
+                <a16:creationId xmlns:a16="http://schemas.microsoft.com/office/drawing/2014/main" id="{88F983A8-B237-A2A0-0F80-D629B17DFC64}"/>
               </a:ext>
             </a:extLst>
           </p:cNvPr>
@@ -2801,7 +2801,7 @@
           <p:cNvPr id="3" name="文本占位符 2">
             <a:extLst>
               <a:ext uri="{FF2B5EF4-FFF2-40B4-BE49-F238E27FC236}">
-                <a16:creationId xmlns:a16="http://schemas.microsoft.com/office/drawing/2014/main" id="{78E844E7-1208-83B6-3CD5-8296F679E773}"/>
+                <a16:creationId xmlns:a16="http://schemas.microsoft.com/office/drawing/2014/main" id="{CD5FC4A9-0762-00B8-64AE-B4551B668A10}"/>
               </a:ext>
             </a:extLst>
           </p:cNvPr>
@@ -2868,7 +2868,7 @@
           <p:cNvPr id="4" name="日期占位符 3">
             <a:extLst>
               <a:ext uri="{FF2B5EF4-FFF2-40B4-BE49-F238E27FC236}">
-                <a16:creationId xmlns:a16="http://schemas.microsoft.com/office/drawing/2014/main" id="{1B2FC69C-78F1-83CA-0418-E10FE255B20B}"/>
+                <a16:creationId xmlns:a16="http://schemas.microsoft.com/office/drawing/2014/main" id="{363B4374-C6CF-A0A8-F5D5-A1274EA7D283}"/>
               </a:ext>
             </a:extLst>
           </p:cNvPr>
@@ -2902,7 +2902,7 @@
             </a:lvl1pPr>
           </a:lstStyle>
           <a:p>
-            <a:fld id="{D34D59E9-29EC-4E82-AE6D-C9643FA9032D}" type="datetimeFigureOut">
+            <a:fld id="{61455CD6-596C-4661-9685-1FBEE11843B1}" type="datetimeFigureOut">
               <a:rPr lang="zh-CN" altLang="en-US" smtClean="0"/>
               <a:t>2024/3/10</a:t>
             </a:fld>
@@ -2915,7 +2915,7 @@
           <p:cNvPr id="5" name="页脚占位符 4">
             <a:extLst>
               <a:ext uri="{FF2B5EF4-FFF2-40B4-BE49-F238E27FC236}">
-                <a16:creationId xmlns:a16="http://schemas.microsoft.com/office/drawing/2014/main" id="{33992890-4696-3139-865A-6C8FDD675C7A}"/>
+                <a16:creationId xmlns:a16="http://schemas.microsoft.com/office/drawing/2014/main" id="{D9CBF92A-411D-DEA7-94F4-C26FD6762AB5}"/>
               </a:ext>
             </a:extLst>
           </p:cNvPr>
@@ -2958,7 +2958,7 @@
           <p:cNvPr id="6" name="灯片编号占位符 5">
             <a:extLst>
               <a:ext uri="{FF2B5EF4-FFF2-40B4-BE49-F238E27FC236}">
-                <a16:creationId xmlns:a16="http://schemas.microsoft.com/office/drawing/2014/main" id="{A0591326-D385-56F1-0B5A-6C11B0E99F44}"/>
+                <a16:creationId xmlns:a16="http://schemas.microsoft.com/office/drawing/2014/main" id="{80F2FA8F-094B-0061-78D7-5E702D9F0EA5}"/>
               </a:ext>
             </a:extLst>
           </p:cNvPr>
@@ -2992,7 +2992,7 @@
             </a:lvl1pPr>
           </a:lstStyle>
           <a:p>
-            <a:fld id="{29267CEB-B817-49B6-A0F5-3C1C17CAC00D}" type="slidenum">
+            <a:fld id="{75C8DE23-1B97-4E44-8B77-E5E7DD9861BA}" type="slidenum">
               <a:rPr lang="zh-CN" altLang="en-US" smtClean="0"/>
               <a:t>‹#›</a:t>
             </a:fld>
@@ -3003,7 +3003,7 @@
     </p:spTree>
     <p:extLst>
       <p:ext uri="{BB962C8B-B14F-4D97-AF65-F5344CB8AC3E}">
-        <p14:creationId xmlns:p14="http://schemas.microsoft.com/office/powerpoint/2010/main" val="942905590"/>
+        <p14:creationId xmlns:p14="http://schemas.microsoft.com/office/powerpoint/2010/main" val="1464522382"/>
       </p:ext>
     </p:extLst>
   </p:cSld>
